--- a/figures/Figure2.pptx
+++ b/figures/Figure2.pptx
@@ -6,6 +6,7 @@
   </p:sldMasterIdLst>
   <p:sldIdLst>
     <p:sldId id="256" r:id="rId2"/>
+    <p:sldId id="257" r:id="rId3"/>
   </p:sldIdLst>
   <p:sldSz cx="12239625" cy="8280400"/>
   <p:notesSz cx="6858000" cy="9144000"/>
@@ -104,6 +105,11 @@
       </a:defRPr>
     </a:lvl9pPr>
   </p:defaultTextStyle>
+  <p:extLst>
+    <p:ext uri="{EFAFB233-063F-42B5-8137-9DF3F51BA10A}">
+      <p15:sldGuideLst xmlns:p15="http://schemas.microsoft.com/office/powerpoint/2012/main"/>
+    </p:ext>
+  </p:extLst>
 </p:presentation>
 </file>
 
@@ -238,7 +244,7 @@
           <a:p>
             <a:fld id="{A198C7A8-F79D-4175-B575-7277BDCA6D30}" type="datetimeFigureOut">
               <a:rPr lang="en-GB" smtClean="0"/>
-              <a:t>28/02/2023</a:t>
+              <a:t>27/06/2023</a:t>
             </a:fld>
             <a:endParaRPr lang="en-GB"/>
           </a:p>
@@ -408,7 +414,7 @@
           <a:p>
             <a:fld id="{A198C7A8-F79D-4175-B575-7277BDCA6D30}" type="datetimeFigureOut">
               <a:rPr lang="en-GB" smtClean="0"/>
-              <a:t>28/02/2023</a:t>
+              <a:t>27/06/2023</a:t>
             </a:fld>
             <a:endParaRPr lang="en-GB"/>
           </a:p>
@@ -588,7 +594,7 @@
           <a:p>
             <a:fld id="{A198C7A8-F79D-4175-B575-7277BDCA6D30}" type="datetimeFigureOut">
               <a:rPr lang="en-GB" smtClean="0"/>
-              <a:t>28/02/2023</a:t>
+              <a:t>27/06/2023</a:t>
             </a:fld>
             <a:endParaRPr lang="en-GB"/>
           </a:p>
@@ -758,7 +764,7 @@
           <a:p>
             <a:fld id="{A198C7A8-F79D-4175-B575-7277BDCA6D30}" type="datetimeFigureOut">
               <a:rPr lang="en-GB" smtClean="0"/>
-              <a:t>28/02/2023</a:t>
+              <a:t>27/06/2023</a:t>
             </a:fld>
             <a:endParaRPr lang="en-GB"/>
           </a:p>
@@ -1002,7 +1008,7 @@
           <a:p>
             <a:fld id="{A198C7A8-F79D-4175-B575-7277BDCA6D30}" type="datetimeFigureOut">
               <a:rPr lang="en-GB" smtClean="0"/>
-              <a:t>28/02/2023</a:t>
+              <a:t>27/06/2023</a:t>
             </a:fld>
             <a:endParaRPr lang="en-GB"/>
           </a:p>
@@ -1234,7 +1240,7 @@
           <a:p>
             <a:fld id="{A198C7A8-F79D-4175-B575-7277BDCA6D30}" type="datetimeFigureOut">
               <a:rPr lang="en-GB" smtClean="0"/>
-              <a:t>28/02/2023</a:t>
+              <a:t>27/06/2023</a:t>
             </a:fld>
             <a:endParaRPr lang="en-GB"/>
           </a:p>
@@ -1601,7 +1607,7 @@
           <a:p>
             <a:fld id="{A198C7A8-F79D-4175-B575-7277BDCA6D30}" type="datetimeFigureOut">
               <a:rPr lang="en-GB" smtClean="0"/>
-              <a:t>28/02/2023</a:t>
+              <a:t>27/06/2023</a:t>
             </a:fld>
             <a:endParaRPr lang="en-GB"/>
           </a:p>
@@ -1719,7 +1725,7 @@
           <a:p>
             <a:fld id="{A198C7A8-F79D-4175-B575-7277BDCA6D30}" type="datetimeFigureOut">
               <a:rPr lang="en-GB" smtClean="0"/>
-              <a:t>28/02/2023</a:t>
+              <a:t>27/06/2023</a:t>
             </a:fld>
             <a:endParaRPr lang="en-GB"/>
           </a:p>
@@ -1814,7 +1820,7 @@
           <a:p>
             <a:fld id="{A198C7A8-F79D-4175-B575-7277BDCA6D30}" type="datetimeFigureOut">
               <a:rPr lang="en-GB" smtClean="0"/>
-              <a:t>28/02/2023</a:t>
+              <a:t>27/06/2023</a:t>
             </a:fld>
             <a:endParaRPr lang="en-GB"/>
           </a:p>
@@ -2091,7 +2097,7 @@
           <a:p>
             <a:fld id="{A198C7A8-F79D-4175-B575-7277BDCA6D30}" type="datetimeFigureOut">
               <a:rPr lang="en-GB" smtClean="0"/>
-              <a:t>28/02/2023</a:t>
+              <a:t>27/06/2023</a:t>
             </a:fld>
             <a:endParaRPr lang="en-GB"/>
           </a:p>
@@ -2348,7 +2354,7 @@
           <a:p>
             <a:fld id="{A198C7A8-F79D-4175-B575-7277BDCA6D30}" type="datetimeFigureOut">
               <a:rPr lang="en-GB" smtClean="0"/>
-              <a:t>28/02/2023</a:t>
+              <a:t>27/06/2023</a:t>
             </a:fld>
             <a:endParaRPr lang="en-GB"/>
           </a:p>
@@ -2561,7 +2567,7 @@
           <a:p>
             <a:fld id="{A198C7A8-F79D-4175-B575-7277BDCA6D30}" type="datetimeFigureOut">
               <a:rPr lang="en-GB" smtClean="0"/>
-              <a:t>28/02/2023</a:t>
+              <a:t>27/06/2023</a:t>
             </a:fld>
             <a:endParaRPr lang="en-GB"/>
           </a:p>
@@ -3189,6 +3195,255 @@
 </p:sld>
 </file>
 
+<file path=ppt/slides/slide2.xml><?xml version="1.0" encoding="utf-8"?>
+<p:sld xmlns:a="http://schemas.openxmlformats.org/drawingml/2006/main" xmlns:r="http://schemas.openxmlformats.org/officeDocument/2006/relationships" xmlns:p="http://schemas.openxmlformats.org/presentationml/2006/main">
+  <p:cSld>
+    <p:spTree>
+      <p:nvGrpSpPr>
+        <p:cNvPr id="1" name=""/>
+        <p:cNvGrpSpPr/>
+        <p:nvPr/>
+      </p:nvGrpSpPr>
+      <p:grpSpPr>
+        <a:xfrm>
+          <a:off x="0" y="0"/>
+          <a:ext cx="0" cy="0"/>
+          <a:chOff x="0" y="0"/>
+          <a:chExt cx="0" cy="0"/>
+        </a:xfrm>
+      </p:grpSpPr>
+      <p:pic>
+        <p:nvPicPr>
+          <p:cNvPr id="13" name="Picture 12">
+            <a:extLst>
+              <a:ext uri="{FF2B5EF4-FFF2-40B4-BE49-F238E27FC236}">
+                <a16:creationId xmlns:a16="http://schemas.microsoft.com/office/drawing/2014/main" id="{42291268-980F-DADE-9D5E-F321BC734DDF}"/>
+              </a:ext>
+            </a:extLst>
+          </p:cNvPr>
+          <p:cNvPicPr>
+            <a:picLocks noChangeAspect="1"/>
+          </p:cNvPicPr>
+          <p:nvPr/>
+        </p:nvPicPr>
+        <p:blipFill>
+          <a:blip r:embed="rId2">
+            <a:extLst>
+              <a:ext uri="{28A0092B-C50C-407E-A947-70E740481C1C}">
+                <a14:useLocalDpi xmlns:a14="http://schemas.microsoft.com/office/drawing/2010/main" val="0"/>
+              </a:ext>
+            </a:extLst>
+          </a:blip>
+          <a:srcRect l="11336" r="11336"/>
+          <a:stretch/>
+        </p:blipFill>
+        <p:spPr>
+          <a:xfrm>
+            <a:off x="-115688" y="141914"/>
+            <a:ext cx="7735795" cy="7996568"/>
+          </a:xfrm>
+          <a:prstGeom prst="rect">
+            <a:avLst/>
+          </a:prstGeom>
+        </p:spPr>
+      </p:pic>
+      <p:pic>
+        <p:nvPicPr>
+          <p:cNvPr id="21" name="Picture 20">
+            <a:extLst>
+              <a:ext uri="{FF2B5EF4-FFF2-40B4-BE49-F238E27FC236}">
+                <a16:creationId xmlns:a16="http://schemas.microsoft.com/office/drawing/2014/main" id="{61D7281D-8C3A-31F2-017F-F97278C0F5DD}"/>
+              </a:ext>
+            </a:extLst>
+          </p:cNvPr>
+          <p:cNvPicPr>
+            <a:picLocks noChangeAspect="1"/>
+          </p:cNvPicPr>
+          <p:nvPr/>
+        </p:nvPicPr>
+        <p:blipFill>
+          <a:blip r:embed="rId3">
+            <a:extLst>
+              <a:ext uri="{28A0092B-C50C-407E-A947-70E740481C1C}">
+                <a14:useLocalDpi xmlns:a14="http://schemas.microsoft.com/office/drawing/2010/main" val="0"/>
+              </a:ext>
+            </a:extLst>
+          </a:blip>
+          <a:srcRect/>
+          <a:stretch/>
+        </p:blipFill>
+        <p:spPr>
+          <a:xfrm>
+            <a:off x="7734407" y="261735"/>
+            <a:ext cx="4415990" cy="3974390"/>
+          </a:xfrm>
+          <a:prstGeom prst="rect">
+            <a:avLst/>
+          </a:prstGeom>
+        </p:spPr>
+      </p:pic>
+      <p:pic>
+        <p:nvPicPr>
+          <p:cNvPr id="23" name="Picture 22">
+            <a:extLst>
+              <a:ext uri="{FF2B5EF4-FFF2-40B4-BE49-F238E27FC236}">
+                <a16:creationId xmlns:a16="http://schemas.microsoft.com/office/drawing/2014/main" id="{2C7A1E23-E151-DAA0-B27B-FB507D7C9852}"/>
+              </a:ext>
+            </a:extLst>
+          </p:cNvPr>
+          <p:cNvPicPr>
+            <a:picLocks noChangeAspect="1"/>
+          </p:cNvPicPr>
+          <p:nvPr/>
+        </p:nvPicPr>
+        <p:blipFill>
+          <a:blip r:embed="rId4">
+            <a:extLst>
+              <a:ext uri="{28A0092B-C50C-407E-A947-70E740481C1C}">
+                <a14:useLocalDpi xmlns:a14="http://schemas.microsoft.com/office/drawing/2010/main" val="0"/>
+              </a:ext>
+            </a:extLst>
+          </a:blip>
+          <a:srcRect/>
+          <a:stretch/>
+        </p:blipFill>
+        <p:spPr>
+          <a:xfrm>
+            <a:off x="7620109" y="4114674"/>
+            <a:ext cx="4550936" cy="4095843"/>
+          </a:xfrm>
+          <a:prstGeom prst="rect">
+            <a:avLst/>
+          </a:prstGeom>
+        </p:spPr>
+      </p:pic>
+      <p:sp>
+        <p:nvSpPr>
+          <p:cNvPr id="24" name="TextBox 23">
+            <a:extLst>
+              <a:ext uri="{FF2B5EF4-FFF2-40B4-BE49-F238E27FC236}">
+                <a16:creationId xmlns:a16="http://schemas.microsoft.com/office/drawing/2014/main" id="{CC53886F-3F4A-4F37-2CAA-9A1EC9E452FE}"/>
+              </a:ext>
+            </a:extLst>
+          </p:cNvPr>
+          <p:cNvSpPr txBox="1"/>
+          <p:nvPr/>
+        </p:nvSpPr>
+        <p:spPr>
+          <a:xfrm>
+            <a:off x="-1388" y="60610"/>
+            <a:ext cx="331470" cy="523220"/>
+          </a:xfrm>
+          <a:prstGeom prst="rect">
+            <a:avLst/>
+          </a:prstGeom>
+          <a:noFill/>
+        </p:spPr>
+        <p:txBody>
+          <a:bodyPr wrap="square" rtlCol="0">
+            <a:spAutoFit/>
+          </a:bodyPr>
+          <a:lstStyle/>
+          <a:p>
+            <a:r>
+              <a:rPr lang="en-GB" sz="2800" b="1" dirty="0">
+                <a:latin typeface="Times New Roman" panose="02020603050405020304" pitchFamily="18" charset="0"/>
+                <a:cs typeface="Times New Roman" panose="02020603050405020304" pitchFamily="18" charset="0"/>
+              </a:rPr>
+              <a:t>a</a:t>
+            </a:r>
+          </a:p>
+        </p:txBody>
+      </p:sp>
+      <p:sp>
+        <p:nvSpPr>
+          <p:cNvPr id="25" name="TextBox 24">
+            <a:extLst>
+              <a:ext uri="{FF2B5EF4-FFF2-40B4-BE49-F238E27FC236}">
+                <a16:creationId xmlns:a16="http://schemas.microsoft.com/office/drawing/2014/main" id="{873EE140-D9D5-7327-D3F5-E5211A2B90D1}"/>
+              </a:ext>
+            </a:extLst>
+          </p:cNvPr>
+          <p:cNvSpPr txBox="1"/>
+          <p:nvPr/>
+        </p:nvSpPr>
+        <p:spPr>
+          <a:xfrm>
+            <a:off x="7503594" y="60610"/>
+            <a:ext cx="331470" cy="523220"/>
+          </a:xfrm>
+          <a:prstGeom prst="rect">
+            <a:avLst/>
+          </a:prstGeom>
+          <a:noFill/>
+        </p:spPr>
+        <p:txBody>
+          <a:bodyPr wrap="square" rtlCol="0">
+            <a:spAutoFit/>
+          </a:bodyPr>
+          <a:lstStyle/>
+          <a:p>
+            <a:r>
+              <a:rPr lang="en-GB" sz="2800" b="1" dirty="0">
+                <a:latin typeface="Times New Roman" panose="02020603050405020304" pitchFamily="18" charset="0"/>
+                <a:cs typeface="Times New Roman" panose="02020603050405020304" pitchFamily="18" charset="0"/>
+              </a:rPr>
+              <a:t>b</a:t>
+            </a:r>
+          </a:p>
+        </p:txBody>
+      </p:sp>
+      <p:sp>
+        <p:nvSpPr>
+          <p:cNvPr id="26" name="TextBox 25">
+            <a:extLst>
+              <a:ext uri="{FF2B5EF4-FFF2-40B4-BE49-F238E27FC236}">
+                <a16:creationId xmlns:a16="http://schemas.microsoft.com/office/drawing/2014/main" id="{F5B72915-F35B-AF08-0040-3A14744CE68D}"/>
+              </a:ext>
+            </a:extLst>
+          </p:cNvPr>
+          <p:cNvSpPr txBox="1"/>
+          <p:nvPr/>
+        </p:nvSpPr>
+        <p:spPr>
+          <a:xfrm>
+            <a:off x="7503594" y="3977588"/>
+            <a:ext cx="331470" cy="523220"/>
+          </a:xfrm>
+          <a:prstGeom prst="rect">
+            <a:avLst/>
+          </a:prstGeom>
+          <a:noFill/>
+        </p:spPr>
+        <p:txBody>
+          <a:bodyPr wrap="square" rtlCol="0">
+            <a:spAutoFit/>
+          </a:bodyPr>
+          <a:lstStyle/>
+          <a:p>
+            <a:r>
+              <a:rPr lang="en-GB" sz="2800" b="1" dirty="0">
+                <a:latin typeface="Times New Roman" panose="02020603050405020304" pitchFamily="18" charset="0"/>
+                <a:cs typeface="Times New Roman" panose="02020603050405020304" pitchFamily="18" charset="0"/>
+              </a:rPr>
+              <a:t>c</a:t>
+            </a:r>
+          </a:p>
+        </p:txBody>
+      </p:sp>
+    </p:spTree>
+    <p:extLst>
+      <p:ext uri="{BB962C8B-B14F-4D97-AF65-F5344CB8AC3E}">
+        <p14:creationId xmlns:p14="http://schemas.microsoft.com/office/powerpoint/2010/main" val="3033684032"/>
+      </p:ext>
+    </p:extLst>
+  </p:cSld>
+  <p:clrMapOvr>
+    <a:masterClrMapping/>
+  </p:clrMapOvr>
+</p:sld>
+</file>
+
 <file path=ppt/theme/theme1.xml><?xml version="1.0" encoding="utf-8"?>
 <a:theme xmlns:a="http://schemas.openxmlformats.org/drawingml/2006/main" name="Office Theme">
   <a:themeElements>

--- a/figures/Figure2.pptx
+++ b/figures/Figure2.pptx
@@ -244,7 +244,7 @@
           <a:p>
             <a:fld id="{A198C7A8-F79D-4175-B575-7277BDCA6D30}" type="datetimeFigureOut">
               <a:rPr lang="en-GB" smtClean="0"/>
-              <a:t>27/06/2023</a:t>
+              <a:t>17/10/2023</a:t>
             </a:fld>
             <a:endParaRPr lang="en-GB"/>
           </a:p>
@@ -414,7 +414,7 @@
           <a:p>
             <a:fld id="{A198C7A8-F79D-4175-B575-7277BDCA6D30}" type="datetimeFigureOut">
               <a:rPr lang="en-GB" smtClean="0"/>
-              <a:t>27/06/2023</a:t>
+              <a:t>17/10/2023</a:t>
             </a:fld>
             <a:endParaRPr lang="en-GB"/>
           </a:p>
@@ -594,7 +594,7 @@
           <a:p>
             <a:fld id="{A198C7A8-F79D-4175-B575-7277BDCA6D30}" type="datetimeFigureOut">
               <a:rPr lang="en-GB" smtClean="0"/>
-              <a:t>27/06/2023</a:t>
+              <a:t>17/10/2023</a:t>
             </a:fld>
             <a:endParaRPr lang="en-GB"/>
           </a:p>
@@ -764,7 +764,7 @@
           <a:p>
             <a:fld id="{A198C7A8-F79D-4175-B575-7277BDCA6D30}" type="datetimeFigureOut">
               <a:rPr lang="en-GB" smtClean="0"/>
-              <a:t>27/06/2023</a:t>
+              <a:t>17/10/2023</a:t>
             </a:fld>
             <a:endParaRPr lang="en-GB"/>
           </a:p>
@@ -1008,7 +1008,7 @@
           <a:p>
             <a:fld id="{A198C7A8-F79D-4175-B575-7277BDCA6D30}" type="datetimeFigureOut">
               <a:rPr lang="en-GB" smtClean="0"/>
-              <a:t>27/06/2023</a:t>
+              <a:t>17/10/2023</a:t>
             </a:fld>
             <a:endParaRPr lang="en-GB"/>
           </a:p>
@@ -1240,7 +1240,7 @@
           <a:p>
             <a:fld id="{A198C7A8-F79D-4175-B575-7277BDCA6D30}" type="datetimeFigureOut">
               <a:rPr lang="en-GB" smtClean="0"/>
-              <a:t>27/06/2023</a:t>
+              <a:t>17/10/2023</a:t>
             </a:fld>
             <a:endParaRPr lang="en-GB"/>
           </a:p>
@@ -1607,7 +1607,7 @@
           <a:p>
             <a:fld id="{A198C7A8-F79D-4175-B575-7277BDCA6D30}" type="datetimeFigureOut">
               <a:rPr lang="en-GB" smtClean="0"/>
-              <a:t>27/06/2023</a:t>
+              <a:t>17/10/2023</a:t>
             </a:fld>
             <a:endParaRPr lang="en-GB"/>
           </a:p>
@@ -1725,7 +1725,7 @@
           <a:p>
             <a:fld id="{A198C7A8-F79D-4175-B575-7277BDCA6D30}" type="datetimeFigureOut">
               <a:rPr lang="en-GB" smtClean="0"/>
-              <a:t>27/06/2023</a:t>
+              <a:t>17/10/2023</a:t>
             </a:fld>
             <a:endParaRPr lang="en-GB"/>
           </a:p>
@@ -1820,7 +1820,7 @@
           <a:p>
             <a:fld id="{A198C7A8-F79D-4175-B575-7277BDCA6D30}" type="datetimeFigureOut">
               <a:rPr lang="en-GB" smtClean="0"/>
-              <a:t>27/06/2023</a:t>
+              <a:t>17/10/2023</a:t>
             </a:fld>
             <a:endParaRPr lang="en-GB"/>
           </a:p>
@@ -2097,7 +2097,7 @@
           <a:p>
             <a:fld id="{A198C7A8-F79D-4175-B575-7277BDCA6D30}" type="datetimeFigureOut">
               <a:rPr lang="en-GB" smtClean="0"/>
-              <a:t>27/06/2023</a:t>
+              <a:t>17/10/2023</a:t>
             </a:fld>
             <a:endParaRPr lang="en-GB"/>
           </a:p>
@@ -2354,7 +2354,7 @@
           <a:p>
             <a:fld id="{A198C7A8-F79D-4175-B575-7277BDCA6D30}" type="datetimeFigureOut">
               <a:rPr lang="en-GB" smtClean="0"/>
-              <a:t>27/06/2023</a:t>
+              <a:t>17/10/2023</a:t>
             </a:fld>
             <a:endParaRPr lang="en-GB"/>
           </a:p>
@@ -2567,7 +2567,7 @@
           <a:p>
             <a:fld id="{A198C7A8-F79D-4175-B575-7277BDCA6D30}" type="datetimeFigureOut">
               <a:rPr lang="en-GB" smtClean="0"/>
-              <a:t>27/06/2023</a:t>
+              <a:t>17/10/2023</a:t>
             </a:fld>
             <a:endParaRPr lang="en-GB"/>
           </a:p>
@@ -2986,7 +2986,7 @@
           </p:cNvPicPr>
           <p:nvPr/>
         </p:nvPicPr>
-        <p:blipFill rotWithShape="1">
+        <p:blipFill>
           <a:blip r:embed="rId2">
             <a:extLst>
               <a:ext uri="{28A0092B-C50C-407E-A947-70E740481C1C}">
@@ -2994,7 +2994,7 @@
               </a:ext>
             </a:extLst>
           </a:blip>
-          <a:srcRect l="11161" r="11448"/>
+          <a:srcRect l="11336" r="11336"/>
           <a:stretch/>
         </p:blipFill>
         <p:spPr>
